--- a/Lec01.pptx
+++ b/Lec01.pptx
@@ -174,6 +174,173 @@
 <file path=ppt/changesInfos/changesInfo1.xml><?xml version="1.0" encoding="utf-8"?>
 <pc:chgInfo xmlns:a="http://schemas.openxmlformats.org/drawingml/2006/main" xmlns:r="http://schemas.openxmlformats.org/officeDocument/2006/relationships" xmlns:ac="http://schemas.microsoft.com/office/drawing/2013/main/command" xmlns:pc="http://schemas.microsoft.com/office/powerpoint/2013/main/command">
   <pc:docChgLst>
+    <pc:chgData name="Smay, Jim" userId="96794e02-3103-4b78-8546-50f41b7794d0" providerId="ADAL" clId="{D1AB2F79-0B6F-49AE-B077-A680BF12A88E}"/>
+    <pc:docChg chg="custSel modSld">
+      <pc:chgData name="Smay, Jim" userId="96794e02-3103-4b78-8546-50f41b7794d0" providerId="ADAL" clId="{D1AB2F79-0B6F-49AE-B077-A680BF12A88E}" dt="2025-01-06T16:39:21.411" v="117"/>
+      <pc:docMkLst>
+        <pc:docMk/>
+      </pc:docMkLst>
+      <pc:sldChg chg="setBg">
+        <pc:chgData name="Smay, Jim" userId="96794e02-3103-4b78-8546-50f41b7794d0" providerId="ADAL" clId="{D1AB2F79-0B6F-49AE-B077-A680BF12A88E}" dt="2025-01-06T16:39:21.411" v="117"/>
+        <pc:sldMkLst>
+          <pc:docMk/>
+          <pc:sldMk cId="1805692830" sldId="256"/>
+        </pc:sldMkLst>
+      </pc:sldChg>
+      <pc:sldChg chg="modSp mod setBg">
+        <pc:chgData name="Smay, Jim" userId="96794e02-3103-4b78-8546-50f41b7794d0" providerId="ADAL" clId="{D1AB2F79-0B6F-49AE-B077-A680BF12A88E}" dt="2025-01-06T16:39:21.411" v="117"/>
+        <pc:sldMkLst>
+          <pc:docMk/>
+          <pc:sldMk cId="3643854921" sldId="257"/>
+        </pc:sldMkLst>
+        <pc:spChg chg="mod">
+          <ac:chgData name="Smay, Jim" userId="96794e02-3103-4b78-8546-50f41b7794d0" providerId="ADAL" clId="{D1AB2F79-0B6F-49AE-B077-A680BF12A88E}" dt="2025-01-06T16:28:42.019" v="4" actId="6549"/>
+          <ac:spMkLst>
+            <pc:docMk/>
+            <pc:sldMk cId="3643854921" sldId="257"/>
+            <ac:spMk id="3" creationId="{00000000-0000-0000-0000-000000000000}"/>
+          </ac:spMkLst>
+        </pc:spChg>
+      </pc:sldChg>
+      <pc:sldChg chg="modSp mod setBg">
+        <pc:chgData name="Smay, Jim" userId="96794e02-3103-4b78-8546-50f41b7794d0" providerId="ADAL" clId="{D1AB2F79-0B6F-49AE-B077-A680BF12A88E}" dt="2025-01-06T16:39:21.411" v="117"/>
+        <pc:sldMkLst>
+          <pc:docMk/>
+          <pc:sldMk cId="123517142" sldId="258"/>
+        </pc:sldMkLst>
+        <pc:spChg chg="mod">
+          <ac:chgData name="Smay, Jim" userId="96794e02-3103-4b78-8546-50f41b7794d0" providerId="ADAL" clId="{D1AB2F79-0B6F-49AE-B077-A680BF12A88E}" dt="2025-01-06T16:30:15.906" v="15" actId="27636"/>
+          <ac:spMkLst>
+            <pc:docMk/>
+            <pc:sldMk cId="123517142" sldId="258"/>
+            <ac:spMk id="3" creationId="{00000000-0000-0000-0000-000000000000}"/>
+          </ac:spMkLst>
+        </pc:spChg>
+      </pc:sldChg>
+      <pc:sldChg chg="setBg">
+        <pc:chgData name="Smay, Jim" userId="96794e02-3103-4b78-8546-50f41b7794d0" providerId="ADAL" clId="{D1AB2F79-0B6F-49AE-B077-A680BF12A88E}" dt="2025-01-06T16:39:21.411" v="117"/>
+        <pc:sldMkLst>
+          <pc:docMk/>
+          <pc:sldMk cId="2053110676" sldId="260"/>
+        </pc:sldMkLst>
+      </pc:sldChg>
+      <pc:sldChg chg="setBg">
+        <pc:chgData name="Smay, Jim" userId="96794e02-3103-4b78-8546-50f41b7794d0" providerId="ADAL" clId="{D1AB2F79-0B6F-49AE-B077-A680BF12A88E}" dt="2025-01-06T16:39:21.411" v="117"/>
+        <pc:sldMkLst>
+          <pc:docMk/>
+          <pc:sldMk cId="2430491555" sldId="261"/>
+        </pc:sldMkLst>
+      </pc:sldChg>
+      <pc:sldChg chg="setBg">
+        <pc:chgData name="Smay, Jim" userId="96794e02-3103-4b78-8546-50f41b7794d0" providerId="ADAL" clId="{D1AB2F79-0B6F-49AE-B077-A680BF12A88E}" dt="2025-01-06T16:39:21.411" v="117"/>
+        <pc:sldMkLst>
+          <pc:docMk/>
+          <pc:sldMk cId="3140414077" sldId="263"/>
+        </pc:sldMkLst>
+      </pc:sldChg>
+      <pc:sldChg chg="setBg">
+        <pc:chgData name="Smay, Jim" userId="96794e02-3103-4b78-8546-50f41b7794d0" providerId="ADAL" clId="{D1AB2F79-0B6F-49AE-B077-A680BF12A88E}" dt="2025-01-06T16:39:21.411" v="117"/>
+        <pc:sldMkLst>
+          <pc:docMk/>
+          <pc:sldMk cId="882819424" sldId="264"/>
+        </pc:sldMkLst>
+      </pc:sldChg>
+      <pc:sldChg chg="setBg">
+        <pc:chgData name="Smay, Jim" userId="96794e02-3103-4b78-8546-50f41b7794d0" providerId="ADAL" clId="{D1AB2F79-0B6F-49AE-B077-A680BF12A88E}" dt="2025-01-06T16:39:21.411" v="117"/>
+        <pc:sldMkLst>
+          <pc:docMk/>
+          <pc:sldMk cId="3605840209" sldId="265"/>
+        </pc:sldMkLst>
+      </pc:sldChg>
+      <pc:sldChg chg="setBg">
+        <pc:chgData name="Smay, Jim" userId="96794e02-3103-4b78-8546-50f41b7794d0" providerId="ADAL" clId="{D1AB2F79-0B6F-49AE-B077-A680BF12A88E}" dt="2025-01-06T16:39:21.411" v="117"/>
+        <pc:sldMkLst>
+          <pc:docMk/>
+          <pc:sldMk cId="3030371836" sldId="266"/>
+        </pc:sldMkLst>
+      </pc:sldChg>
+      <pc:sldChg chg="setBg">
+        <pc:chgData name="Smay, Jim" userId="96794e02-3103-4b78-8546-50f41b7794d0" providerId="ADAL" clId="{D1AB2F79-0B6F-49AE-B077-A680BF12A88E}" dt="2025-01-06T16:39:21.411" v="117"/>
+        <pc:sldMkLst>
+          <pc:docMk/>
+          <pc:sldMk cId="380789523" sldId="267"/>
+        </pc:sldMkLst>
+      </pc:sldChg>
+      <pc:sldChg chg="setBg">
+        <pc:chgData name="Smay, Jim" userId="96794e02-3103-4b78-8546-50f41b7794d0" providerId="ADAL" clId="{D1AB2F79-0B6F-49AE-B077-A680BF12A88E}" dt="2025-01-06T16:39:21.411" v="117"/>
+        <pc:sldMkLst>
+          <pc:docMk/>
+          <pc:sldMk cId="2191362273" sldId="268"/>
+        </pc:sldMkLst>
+      </pc:sldChg>
+      <pc:sldChg chg="modSp setBg">
+        <pc:chgData name="Smay, Jim" userId="96794e02-3103-4b78-8546-50f41b7794d0" providerId="ADAL" clId="{D1AB2F79-0B6F-49AE-B077-A680BF12A88E}" dt="2025-01-06T16:39:21.411" v="117"/>
+        <pc:sldMkLst>
+          <pc:docMk/>
+          <pc:sldMk cId="2637187684" sldId="273"/>
+        </pc:sldMkLst>
+        <pc:spChg chg="mod">
+          <ac:chgData name="Smay, Jim" userId="96794e02-3103-4b78-8546-50f41b7794d0" providerId="ADAL" clId="{D1AB2F79-0B6F-49AE-B077-A680BF12A88E}" dt="2025-01-06T16:37:55.798" v="115" actId="20577"/>
+          <ac:spMkLst>
+            <pc:docMk/>
+            <pc:sldMk cId="2637187684" sldId="273"/>
+            <ac:spMk id="2" creationId="{BA6AD8FE-39FF-4246-A122-7E71BDA9930B}"/>
+          </ac:spMkLst>
+        </pc:spChg>
+      </pc:sldChg>
+      <pc:sldChg chg="setBg">
+        <pc:chgData name="Smay, Jim" userId="96794e02-3103-4b78-8546-50f41b7794d0" providerId="ADAL" clId="{D1AB2F79-0B6F-49AE-B077-A680BF12A88E}" dt="2025-01-06T16:39:21.411" v="117"/>
+        <pc:sldMkLst>
+          <pc:docMk/>
+          <pc:sldMk cId="1501134169" sldId="274"/>
+        </pc:sldMkLst>
+      </pc:sldChg>
+      <pc:sldChg chg="setBg">
+        <pc:chgData name="Smay, Jim" userId="96794e02-3103-4b78-8546-50f41b7794d0" providerId="ADAL" clId="{D1AB2F79-0B6F-49AE-B077-A680BF12A88E}" dt="2025-01-06T16:39:21.411" v="117"/>
+        <pc:sldMkLst>
+          <pc:docMk/>
+          <pc:sldMk cId="3525113485" sldId="275"/>
+        </pc:sldMkLst>
+      </pc:sldChg>
+      <pc:sldChg chg="setBg">
+        <pc:chgData name="Smay, Jim" userId="96794e02-3103-4b78-8546-50f41b7794d0" providerId="ADAL" clId="{D1AB2F79-0B6F-49AE-B077-A680BF12A88E}" dt="2025-01-06T16:39:21.411" v="117"/>
+        <pc:sldMkLst>
+          <pc:docMk/>
+          <pc:sldMk cId="368511399" sldId="276"/>
+        </pc:sldMkLst>
+      </pc:sldChg>
+      <pc:sldChg chg="setBg">
+        <pc:chgData name="Smay, Jim" userId="96794e02-3103-4b78-8546-50f41b7794d0" providerId="ADAL" clId="{D1AB2F79-0B6F-49AE-B077-A680BF12A88E}" dt="2025-01-06T16:39:21.411" v="117"/>
+        <pc:sldMkLst>
+          <pc:docMk/>
+          <pc:sldMk cId="4262160908" sldId="277"/>
+        </pc:sldMkLst>
+      </pc:sldChg>
+      <pc:sldChg chg="setBg">
+        <pc:chgData name="Smay, Jim" userId="96794e02-3103-4b78-8546-50f41b7794d0" providerId="ADAL" clId="{D1AB2F79-0B6F-49AE-B077-A680BF12A88E}" dt="2025-01-06T16:39:21.411" v="117"/>
+        <pc:sldMkLst>
+          <pc:docMk/>
+          <pc:sldMk cId="3691915035" sldId="278"/>
+        </pc:sldMkLst>
+      </pc:sldChg>
+      <pc:sldChg chg="modSp mod setBg">
+        <pc:chgData name="Smay, Jim" userId="96794e02-3103-4b78-8546-50f41b7794d0" providerId="ADAL" clId="{D1AB2F79-0B6F-49AE-B077-A680BF12A88E}" dt="2025-01-06T16:39:21.411" v="117"/>
+        <pc:sldMkLst>
+          <pc:docMk/>
+          <pc:sldMk cId="3593420661" sldId="279"/>
+        </pc:sldMkLst>
+        <pc:spChg chg="mod">
+          <ac:chgData name="Smay, Jim" userId="96794e02-3103-4b78-8546-50f41b7794d0" providerId="ADAL" clId="{D1AB2F79-0B6F-49AE-B077-A680BF12A88E}" dt="2025-01-06T16:26:29.532" v="1" actId="20577"/>
+          <ac:spMkLst>
+            <pc:docMk/>
+            <pc:sldMk cId="3593420661" sldId="279"/>
+            <ac:spMk id="2" creationId="{D8315388-03AF-2696-DFC3-1C14B8427B37}"/>
+          </ac:spMkLst>
+        </pc:spChg>
+      </pc:sldChg>
+    </pc:docChg>
+  </pc:docChgLst>
+  <pc:docChgLst>
     <pc:chgData name="Smay, Jim" userId="96794e02-3103-4b78-8546-50f41b7794d0" providerId="ADAL" clId="{1AC1F8AF-A8F4-431E-8F10-38AD5E11E63B}"/>
     <pc:docChg chg="undo custSel addSld delSld modSld sldOrd delSection modSection modShowInfo">
       <pc:chgData name="Smay, Jim" userId="96794e02-3103-4b78-8546-50f41b7794d0" providerId="ADAL" clId="{1AC1F8AF-A8F4-431E-8F10-38AD5E11E63B}" dt="2022-01-10T21:51:01.770" v="2839"/>
@@ -346,173 +513,6 @@
     </pc:docChg>
   </pc:docChgLst>
   <pc:docChgLst>
-    <pc:chgData name="Smay, Jim" userId="96794e02-3103-4b78-8546-50f41b7794d0" providerId="ADAL" clId="{D1AB2F79-0B6F-49AE-B077-A680BF12A88E}"/>
-    <pc:docChg chg="custSel modSld">
-      <pc:chgData name="Smay, Jim" userId="96794e02-3103-4b78-8546-50f41b7794d0" providerId="ADAL" clId="{D1AB2F79-0B6F-49AE-B077-A680BF12A88E}" dt="2025-01-06T16:39:21.411" v="117"/>
-      <pc:docMkLst>
-        <pc:docMk/>
-      </pc:docMkLst>
-      <pc:sldChg chg="setBg">
-        <pc:chgData name="Smay, Jim" userId="96794e02-3103-4b78-8546-50f41b7794d0" providerId="ADAL" clId="{D1AB2F79-0B6F-49AE-B077-A680BF12A88E}" dt="2025-01-06T16:39:21.411" v="117"/>
-        <pc:sldMkLst>
-          <pc:docMk/>
-          <pc:sldMk cId="1805692830" sldId="256"/>
-        </pc:sldMkLst>
-      </pc:sldChg>
-      <pc:sldChg chg="modSp mod setBg">
-        <pc:chgData name="Smay, Jim" userId="96794e02-3103-4b78-8546-50f41b7794d0" providerId="ADAL" clId="{D1AB2F79-0B6F-49AE-B077-A680BF12A88E}" dt="2025-01-06T16:39:21.411" v="117"/>
-        <pc:sldMkLst>
-          <pc:docMk/>
-          <pc:sldMk cId="3643854921" sldId="257"/>
-        </pc:sldMkLst>
-        <pc:spChg chg="mod">
-          <ac:chgData name="Smay, Jim" userId="96794e02-3103-4b78-8546-50f41b7794d0" providerId="ADAL" clId="{D1AB2F79-0B6F-49AE-B077-A680BF12A88E}" dt="2025-01-06T16:28:42.019" v="4" actId="6549"/>
-          <ac:spMkLst>
-            <pc:docMk/>
-            <pc:sldMk cId="3643854921" sldId="257"/>
-            <ac:spMk id="3" creationId="{00000000-0000-0000-0000-000000000000}"/>
-          </ac:spMkLst>
-        </pc:spChg>
-      </pc:sldChg>
-      <pc:sldChg chg="modSp mod setBg">
-        <pc:chgData name="Smay, Jim" userId="96794e02-3103-4b78-8546-50f41b7794d0" providerId="ADAL" clId="{D1AB2F79-0B6F-49AE-B077-A680BF12A88E}" dt="2025-01-06T16:39:21.411" v="117"/>
-        <pc:sldMkLst>
-          <pc:docMk/>
-          <pc:sldMk cId="123517142" sldId="258"/>
-        </pc:sldMkLst>
-        <pc:spChg chg="mod">
-          <ac:chgData name="Smay, Jim" userId="96794e02-3103-4b78-8546-50f41b7794d0" providerId="ADAL" clId="{D1AB2F79-0B6F-49AE-B077-A680BF12A88E}" dt="2025-01-06T16:30:15.906" v="15" actId="27636"/>
-          <ac:spMkLst>
-            <pc:docMk/>
-            <pc:sldMk cId="123517142" sldId="258"/>
-            <ac:spMk id="3" creationId="{00000000-0000-0000-0000-000000000000}"/>
-          </ac:spMkLst>
-        </pc:spChg>
-      </pc:sldChg>
-      <pc:sldChg chg="setBg">
-        <pc:chgData name="Smay, Jim" userId="96794e02-3103-4b78-8546-50f41b7794d0" providerId="ADAL" clId="{D1AB2F79-0B6F-49AE-B077-A680BF12A88E}" dt="2025-01-06T16:39:21.411" v="117"/>
-        <pc:sldMkLst>
-          <pc:docMk/>
-          <pc:sldMk cId="2053110676" sldId="260"/>
-        </pc:sldMkLst>
-      </pc:sldChg>
-      <pc:sldChg chg="setBg">
-        <pc:chgData name="Smay, Jim" userId="96794e02-3103-4b78-8546-50f41b7794d0" providerId="ADAL" clId="{D1AB2F79-0B6F-49AE-B077-A680BF12A88E}" dt="2025-01-06T16:39:21.411" v="117"/>
-        <pc:sldMkLst>
-          <pc:docMk/>
-          <pc:sldMk cId="2430491555" sldId="261"/>
-        </pc:sldMkLst>
-      </pc:sldChg>
-      <pc:sldChg chg="setBg">
-        <pc:chgData name="Smay, Jim" userId="96794e02-3103-4b78-8546-50f41b7794d0" providerId="ADAL" clId="{D1AB2F79-0B6F-49AE-B077-A680BF12A88E}" dt="2025-01-06T16:39:21.411" v="117"/>
-        <pc:sldMkLst>
-          <pc:docMk/>
-          <pc:sldMk cId="3140414077" sldId="263"/>
-        </pc:sldMkLst>
-      </pc:sldChg>
-      <pc:sldChg chg="setBg">
-        <pc:chgData name="Smay, Jim" userId="96794e02-3103-4b78-8546-50f41b7794d0" providerId="ADAL" clId="{D1AB2F79-0B6F-49AE-B077-A680BF12A88E}" dt="2025-01-06T16:39:21.411" v="117"/>
-        <pc:sldMkLst>
-          <pc:docMk/>
-          <pc:sldMk cId="882819424" sldId="264"/>
-        </pc:sldMkLst>
-      </pc:sldChg>
-      <pc:sldChg chg="setBg">
-        <pc:chgData name="Smay, Jim" userId="96794e02-3103-4b78-8546-50f41b7794d0" providerId="ADAL" clId="{D1AB2F79-0B6F-49AE-B077-A680BF12A88E}" dt="2025-01-06T16:39:21.411" v="117"/>
-        <pc:sldMkLst>
-          <pc:docMk/>
-          <pc:sldMk cId="3605840209" sldId="265"/>
-        </pc:sldMkLst>
-      </pc:sldChg>
-      <pc:sldChg chg="setBg">
-        <pc:chgData name="Smay, Jim" userId="96794e02-3103-4b78-8546-50f41b7794d0" providerId="ADAL" clId="{D1AB2F79-0B6F-49AE-B077-A680BF12A88E}" dt="2025-01-06T16:39:21.411" v="117"/>
-        <pc:sldMkLst>
-          <pc:docMk/>
-          <pc:sldMk cId="3030371836" sldId="266"/>
-        </pc:sldMkLst>
-      </pc:sldChg>
-      <pc:sldChg chg="setBg">
-        <pc:chgData name="Smay, Jim" userId="96794e02-3103-4b78-8546-50f41b7794d0" providerId="ADAL" clId="{D1AB2F79-0B6F-49AE-B077-A680BF12A88E}" dt="2025-01-06T16:39:21.411" v="117"/>
-        <pc:sldMkLst>
-          <pc:docMk/>
-          <pc:sldMk cId="380789523" sldId="267"/>
-        </pc:sldMkLst>
-      </pc:sldChg>
-      <pc:sldChg chg="setBg">
-        <pc:chgData name="Smay, Jim" userId="96794e02-3103-4b78-8546-50f41b7794d0" providerId="ADAL" clId="{D1AB2F79-0B6F-49AE-B077-A680BF12A88E}" dt="2025-01-06T16:39:21.411" v="117"/>
-        <pc:sldMkLst>
-          <pc:docMk/>
-          <pc:sldMk cId="2191362273" sldId="268"/>
-        </pc:sldMkLst>
-      </pc:sldChg>
-      <pc:sldChg chg="modSp setBg">
-        <pc:chgData name="Smay, Jim" userId="96794e02-3103-4b78-8546-50f41b7794d0" providerId="ADAL" clId="{D1AB2F79-0B6F-49AE-B077-A680BF12A88E}" dt="2025-01-06T16:39:21.411" v="117"/>
-        <pc:sldMkLst>
-          <pc:docMk/>
-          <pc:sldMk cId="2637187684" sldId="273"/>
-        </pc:sldMkLst>
-        <pc:spChg chg="mod">
-          <ac:chgData name="Smay, Jim" userId="96794e02-3103-4b78-8546-50f41b7794d0" providerId="ADAL" clId="{D1AB2F79-0B6F-49AE-B077-A680BF12A88E}" dt="2025-01-06T16:37:55.798" v="115" actId="20577"/>
-          <ac:spMkLst>
-            <pc:docMk/>
-            <pc:sldMk cId="2637187684" sldId="273"/>
-            <ac:spMk id="2" creationId="{BA6AD8FE-39FF-4246-A122-7E71BDA9930B}"/>
-          </ac:spMkLst>
-        </pc:spChg>
-      </pc:sldChg>
-      <pc:sldChg chg="setBg">
-        <pc:chgData name="Smay, Jim" userId="96794e02-3103-4b78-8546-50f41b7794d0" providerId="ADAL" clId="{D1AB2F79-0B6F-49AE-B077-A680BF12A88E}" dt="2025-01-06T16:39:21.411" v="117"/>
-        <pc:sldMkLst>
-          <pc:docMk/>
-          <pc:sldMk cId="1501134169" sldId="274"/>
-        </pc:sldMkLst>
-      </pc:sldChg>
-      <pc:sldChg chg="setBg">
-        <pc:chgData name="Smay, Jim" userId="96794e02-3103-4b78-8546-50f41b7794d0" providerId="ADAL" clId="{D1AB2F79-0B6F-49AE-B077-A680BF12A88E}" dt="2025-01-06T16:39:21.411" v="117"/>
-        <pc:sldMkLst>
-          <pc:docMk/>
-          <pc:sldMk cId="3525113485" sldId="275"/>
-        </pc:sldMkLst>
-      </pc:sldChg>
-      <pc:sldChg chg="setBg">
-        <pc:chgData name="Smay, Jim" userId="96794e02-3103-4b78-8546-50f41b7794d0" providerId="ADAL" clId="{D1AB2F79-0B6F-49AE-B077-A680BF12A88E}" dt="2025-01-06T16:39:21.411" v="117"/>
-        <pc:sldMkLst>
-          <pc:docMk/>
-          <pc:sldMk cId="368511399" sldId="276"/>
-        </pc:sldMkLst>
-      </pc:sldChg>
-      <pc:sldChg chg="setBg">
-        <pc:chgData name="Smay, Jim" userId="96794e02-3103-4b78-8546-50f41b7794d0" providerId="ADAL" clId="{D1AB2F79-0B6F-49AE-B077-A680BF12A88E}" dt="2025-01-06T16:39:21.411" v="117"/>
-        <pc:sldMkLst>
-          <pc:docMk/>
-          <pc:sldMk cId="4262160908" sldId="277"/>
-        </pc:sldMkLst>
-      </pc:sldChg>
-      <pc:sldChg chg="setBg">
-        <pc:chgData name="Smay, Jim" userId="96794e02-3103-4b78-8546-50f41b7794d0" providerId="ADAL" clId="{D1AB2F79-0B6F-49AE-B077-A680BF12A88E}" dt="2025-01-06T16:39:21.411" v="117"/>
-        <pc:sldMkLst>
-          <pc:docMk/>
-          <pc:sldMk cId="3691915035" sldId="278"/>
-        </pc:sldMkLst>
-      </pc:sldChg>
-      <pc:sldChg chg="modSp mod setBg">
-        <pc:chgData name="Smay, Jim" userId="96794e02-3103-4b78-8546-50f41b7794d0" providerId="ADAL" clId="{D1AB2F79-0B6F-49AE-B077-A680BF12A88E}" dt="2025-01-06T16:39:21.411" v="117"/>
-        <pc:sldMkLst>
-          <pc:docMk/>
-          <pc:sldMk cId="3593420661" sldId="279"/>
-        </pc:sldMkLst>
-        <pc:spChg chg="mod">
-          <ac:chgData name="Smay, Jim" userId="96794e02-3103-4b78-8546-50f41b7794d0" providerId="ADAL" clId="{D1AB2F79-0B6F-49AE-B077-A680BF12A88E}" dt="2025-01-06T16:26:29.532" v="1" actId="20577"/>
-          <ac:spMkLst>
-            <pc:docMk/>
-            <pc:sldMk cId="3593420661" sldId="279"/>
-            <ac:spMk id="2" creationId="{D8315388-03AF-2696-DFC3-1C14B8427B37}"/>
-          </ac:spMkLst>
-        </pc:spChg>
-      </pc:sldChg>
-    </pc:docChg>
-  </pc:docChgLst>
-  <pc:docChgLst>
     <pc:chgData name="Jim Smay" userId="96794e02-3103-4b78-8546-50f41b7794d0" providerId="ADAL" clId="{0EE90728-F420-4C16-935F-52C3820F0AB2}"/>
     <pc:docChg chg="custSel addSld modSld modSection">
       <pc:chgData name="Jim Smay" userId="96794e02-3103-4b78-8546-50f41b7794d0" providerId="ADAL" clId="{0EE90728-F420-4C16-935F-52C3820F0AB2}" dt="2023-01-23T21:30:17.395" v="480" actId="1076"/>
@@ -692,7 +692,7 @@
           <a:p>
             <a:fld id="{48A87A34-81AB-432B-8DAE-1953F412C126}" type="datetimeFigureOut">
               <a:rPr lang="en-US" smtClean="0"/>
-              <a:t>1/6/2025</a:t>
+              <a:t>1/13/2025</a:t>
             </a:fld>
             <a:endParaRPr lang="en-US" dirty="0"/>
           </a:p>
@@ -880,7 +880,7 @@
           <a:p>
             <a:fld id="{48A87A34-81AB-432B-8DAE-1953F412C126}" type="datetimeFigureOut">
               <a:rPr lang="en-US" smtClean="0"/>
-              <a:t>1/6/2025</a:t>
+              <a:t>1/13/2025</a:t>
             </a:fld>
             <a:endParaRPr lang="en-US" dirty="0"/>
           </a:p>
@@ -1058,7 +1058,7 @@
           <a:p>
             <a:fld id="{48A87A34-81AB-432B-8DAE-1953F412C126}" type="datetimeFigureOut">
               <a:rPr lang="en-US" smtClean="0"/>
-              <a:t>1/6/2025</a:t>
+              <a:t>1/13/2025</a:t>
             </a:fld>
             <a:endParaRPr lang="en-US" dirty="0"/>
           </a:p>
@@ -1422,7 +1422,7 @@
           <a:p>
             <a:fld id="{48A87A34-81AB-432B-8DAE-1953F412C126}" type="datetimeFigureOut">
               <a:rPr lang="en-US" smtClean="0"/>
-              <a:t>1/6/2025</a:t>
+              <a:t>1/13/2025</a:t>
             </a:fld>
             <a:endParaRPr lang="en-US" dirty="0"/>
           </a:p>
@@ -1651,7 +1651,7 @@
           <a:p>
             <a:fld id="{48A87A34-81AB-432B-8DAE-1953F412C126}" type="datetimeFigureOut">
               <a:rPr lang="en-US" smtClean="0"/>
-              <a:t>1/6/2025</a:t>
+              <a:t>1/13/2025</a:t>
             </a:fld>
             <a:endParaRPr lang="en-US" dirty="0"/>
           </a:p>
@@ -2015,7 +2015,7 @@
           <a:p>
             <a:fld id="{48A87A34-81AB-432B-8DAE-1953F412C126}" type="datetimeFigureOut">
               <a:rPr lang="en-US" smtClean="0"/>
-              <a:t>1/6/2025</a:t>
+              <a:t>1/13/2025</a:t>
             </a:fld>
             <a:endParaRPr lang="en-US" dirty="0"/>
           </a:p>
@@ -2132,7 +2132,7 @@
           <a:p>
             <a:fld id="{48A87A34-81AB-432B-8DAE-1953F412C126}" type="datetimeFigureOut">
               <a:rPr lang="en-US" smtClean="0"/>
-              <a:t>1/6/2025</a:t>
+              <a:t>1/13/2025</a:t>
             </a:fld>
             <a:endParaRPr lang="en-US" dirty="0"/>
           </a:p>
@@ -2227,7 +2227,7 @@
           <a:p>
             <a:fld id="{48A87A34-81AB-432B-8DAE-1953F412C126}" type="datetimeFigureOut">
               <a:rPr lang="en-US" smtClean="0"/>
-              <a:t>1/6/2025</a:t>
+              <a:t>1/13/2025</a:t>
             </a:fld>
             <a:endParaRPr lang="en-US" dirty="0"/>
           </a:p>
@@ -2502,7 +2502,7 @@
           <a:p>
             <a:fld id="{48A87A34-81AB-432B-8DAE-1953F412C126}" type="datetimeFigureOut">
               <a:rPr lang="en-US" smtClean="0"/>
-              <a:t>1/6/2025</a:t>
+              <a:t>1/13/2025</a:t>
             </a:fld>
             <a:endParaRPr lang="en-US" dirty="0"/>
           </a:p>
@@ -2757,7 +2757,7 @@
           <a:p>
             <a:fld id="{48A87A34-81AB-432B-8DAE-1953F412C126}" type="datetimeFigureOut">
               <a:rPr lang="en-US" smtClean="0"/>
-              <a:t>1/6/2025</a:t>
+              <a:t>1/13/2025</a:t>
             </a:fld>
             <a:endParaRPr lang="en-US" dirty="0"/>
           </a:p>
@@ -2972,7 +2972,7 @@
             <a:fld id="{48A87A34-81AB-432B-8DAE-1953F412C126}" type="datetimeFigureOut">
               <a:rPr lang="en-US" smtClean="0"/>
               <a:pPr/>
-              <a:t>1/6/2025</a:t>
+              <a:t>1/13/2025</a:t>
             </a:fld>
             <a:endParaRPr lang="en-US" dirty="0"/>
           </a:p>
@@ -6261,7 +6261,7 @@
             <a:r>
               <a:rPr lang="en-US" dirty="0">
                 <a:solidFill>
-                  <a:srgbClr val="FFFF00"/>
+                  <a:srgbClr val="FFC000"/>
                 </a:solidFill>
               </a:rPr>
               <a:t>design</a:t>
@@ -6273,7 +6273,7 @@
             <a:r>
               <a:rPr lang="en-US" dirty="0">
                 <a:solidFill>
-                  <a:srgbClr val="FFFF00"/>
+                  <a:srgbClr val="FFC000"/>
                 </a:solidFill>
               </a:rPr>
               <a:t>analysis</a:t>
@@ -6285,7 +6285,7 @@
             <a:r>
               <a:rPr lang="en-US" dirty="0">
                 <a:solidFill>
-                  <a:srgbClr val="FFFF00"/>
+                  <a:srgbClr val="FFC000"/>
                 </a:solidFill>
               </a:rPr>
               <a:t>simulation</a:t>
@@ -9177,7 +9177,7 @@
         </p:spPr>
         <p:txBody>
           <a:bodyPr>
-            <a:normAutofit fontScale="92500" lnSpcReduction="20000"/>
+            <a:normAutofit fontScale="85000" lnSpcReduction="10000"/>
           </a:bodyPr>
           <a:lstStyle/>
           <a:p>
@@ -9241,7 +9241,7 @@
                   <a:schemeClr val="accent1"/>
                 </a:solidFill>
               </a:rPr>
-              <a:t>Program:  </a:t>
+              <a:t>Program (a.k.a. apps):  </a:t>
             </a:r>
             <a:r>
               <a:rPr lang="en-US" dirty="0"/>
